--- a/Presentacion termas.pptx
+++ b/Presentacion termas.pptx
@@ -109,6 +109,11 @@
       </a:defRPr>
     </a:lvl9pPr>
   </p:defaultTextStyle>
+  <p:extLst>
+    <p:ext uri="{EFAFB233-063F-42B5-8137-9DF3F51BA10A}">
+      <p15:sldGuideLst xmlns:p15="http://schemas.microsoft.com/office/powerpoint/2012/main"/>
+    </p:ext>
+  </p:extLst>
 </p:presentation>
 </file>
 
@@ -1430,7 +1435,7 @@
           <a:p>
             <a:fld id="{A1E45834-53BD-4C8F-B791-CD5378F4150E}" type="datetimeFigureOut">
               <a:rPr lang="en-US" smtClean="0"/>
-              <a:t>8/26/2024</a:t>
+              <a:t>8/28/2024</a:t>
             </a:fld>
             <a:endParaRPr lang="en-US"/>
           </a:p>
@@ -1628,7 +1633,7 @@
           <a:p>
             <a:fld id="{A1E45834-53BD-4C8F-B791-CD5378F4150E}" type="datetimeFigureOut">
               <a:rPr lang="en-US" smtClean="0"/>
-              <a:t>8/26/2024</a:t>
+              <a:t>8/28/2024</a:t>
             </a:fld>
             <a:endParaRPr lang="en-US"/>
           </a:p>
@@ -1836,7 +1841,7 @@
           <a:p>
             <a:fld id="{A1E45834-53BD-4C8F-B791-CD5378F4150E}" type="datetimeFigureOut">
               <a:rPr lang="en-US" smtClean="0"/>
-              <a:t>8/26/2024</a:t>
+              <a:t>8/28/2024</a:t>
             </a:fld>
             <a:endParaRPr lang="en-US"/>
           </a:p>
@@ -2077,7 +2082,7 @@
           <a:p>
             <a:fld id="{A1E45834-53BD-4C8F-B791-CD5378F4150E}" type="datetimeFigureOut">
               <a:rPr lang="en-US" smtClean="0"/>
-              <a:t>8/26/2024</a:t>
+              <a:t>8/28/2024</a:t>
             </a:fld>
             <a:endParaRPr lang="en-US"/>
           </a:p>
@@ -2355,7 +2360,7 @@
           <a:p>
             <a:fld id="{A1E45834-53BD-4C8F-B791-CD5378F4150E}" type="datetimeFigureOut">
               <a:rPr lang="en-US" smtClean="0"/>
-              <a:t>8/26/2024</a:t>
+              <a:t>8/28/2024</a:t>
             </a:fld>
             <a:endParaRPr lang="en-US"/>
           </a:p>
@@ -2625,7 +2630,7 @@
           <a:p>
             <a:fld id="{A1E45834-53BD-4C8F-B791-CD5378F4150E}" type="datetimeFigureOut">
               <a:rPr lang="en-US" smtClean="0"/>
-              <a:t>8/26/2024</a:t>
+              <a:t>8/28/2024</a:t>
             </a:fld>
             <a:endParaRPr lang="en-US"/>
           </a:p>
@@ -3047,7 +3052,7 @@
           <a:p>
             <a:fld id="{A1E45834-53BD-4C8F-B791-CD5378F4150E}" type="datetimeFigureOut">
               <a:rPr lang="en-US" smtClean="0"/>
-              <a:t>8/26/2024</a:t>
+              <a:t>8/28/2024</a:t>
             </a:fld>
             <a:endParaRPr lang="en-US"/>
           </a:p>
@@ -3192,7 +3197,7 @@
           <a:p>
             <a:fld id="{A1E45834-53BD-4C8F-B791-CD5378F4150E}" type="datetimeFigureOut">
               <a:rPr lang="en-US" smtClean="0"/>
-              <a:t>8/26/2024</a:t>
+              <a:t>8/28/2024</a:t>
             </a:fld>
             <a:endParaRPr lang="en-US"/>
           </a:p>
@@ -3305,7 +3310,7 @@
           <a:p>
             <a:fld id="{A1E45834-53BD-4C8F-B791-CD5378F4150E}" type="datetimeFigureOut">
               <a:rPr lang="en-US" smtClean="0"/>
-              <a:t>8/26/2024</a:t>
+              <a:t>8/28/2024</a:t>
             </a:fld>
             <a:endParaRPr lang="en-US"/>
           </a:p>
@@ -3619,7 +3624,7 @@
           <a:p>
             <a:fld id="{A1E45834-53BD-4C8F-B791-CD5378F4150E}" type="datetimeFigureOut">
               <a:rPr lang="en-US" smtClean="0"/>
-              <a:t>8/26/2024</a:t>
+              <a:t>8/28/2024</a:t>
             </a:fld>
             <a:endParaRPr lang="en-US"/>
           </a:p>
@@ -3913,7 +3918,7 @@
           <a:p>
             <a:fld id="{A1E45834-53BD-4C8F-B791-CD5378F4150E}" type="datetimeFigureOut">
               <a:rPr lang="en-US" smtClean="0"/>
-              <a:t>8/26/2024</a:t>
+              <a:t>8/28/2024</a:t>
             </a:fld>
             <a:endParaRPr lang="en-US"/>
           </a:p>
@@ -4152,7 +4157,7 @@
           <a:p>
             <a:fld id="{A1E45834-53BD-4C8F-B791-CD5378F4150E}" type="datetimeFigureOut">
               <a:rPr lang="en-US" smtClean="0"/>
-              <a:t>8/26/2024</a:t>
+              <a:t>8/28/2024</a:t>
             </a:fld>
             <a:endParaRPr lang="en-US"/>
           </a:p>
@@ -5292,25 +5297,7 @@
                 <a:ea typeface="Aptos" panose="020B0004020202020204" pitchFamily="34" charset="0"/>
                 <a:cs typeface="Times New Roman" panose="02020603050405020304" pitchFamily="18" charset="0"/>
               </a:rPr>
-              <a:t>El territorio por trabajar es el municipio de </a:t>
-            </a:r>
-            <a:r>
-              <a:rPr lang="es-AR" sz="1800" b="0" kern="100" dirty="0" err="1">
-                <a:effectLst/>
-                <a:latin typeface="Aptos" panose="020B0004020202020204" pitchFamily="34" charset="0"/>
-                <a:ea typeface="Aptos" panose="020B0004020202020204" pitchFamily="34" charset="0"/>
-                <a:cs typeface="Times New Roman" panose="02020603050405020304" pitchFamily="18" charset="0"/>
-              </a:rPr>
-              <a:t>Federación,en</a:t>
-            </a:r>
-            <a:r>
-              <a:rPr lang="es-AR" sz="1800" b="0" kern="100" dirty="0">
-                <a:effectLst/>
-                <a:latin typeface="Aptos" panose="020B0004020202020204" pitchFamily="34" charset="0"/>
-                <a:ea typeface="Aptos" panose="020B0004020202020204" pitchFamily="34" charset="0"/>
-                <a:cs typeface="Times New Roman" panose="02020603050405020304" pitchFamily="18" charset="0"/>
-              </a:rPr>
-              <a:t> la provincia de Entre Ríos</a:t>
+              <a:t>El territorio por trabajar es el municipio de Federación, en la provincia de Entre Ríos</a:t>
             </a:r>
             <a:br>
               <a:rPr lang="es-AR" sz="1800" b="0" kern="100" dirty="0">
@@ -5779,7 +5766,7 @@
                 <a:ea typeface="Aptos" panose="020B0004020202020204" pitchFamily="34" charset="0"/>
                 <a:cs typeface="Times New Roman" panose="02020603050405020304" pitchFamily="18" charset="0"/>
               </a:rPr>
-              <a:t>Descubrir las variables macroeconómicas que condicionan la actividad turística en la ciudad federación y evaluar el margen de maniobra del gobierno local para afrontar un contexto económico desfavorable</a:t>
+              <a:t>Descubrir las variables macroeconómicas que condicionan la actividad turística en la ciudad federación y evaluar el margen de maniobra del gobierno local para afrontar un contexto económico desfavorable.</a:t>
             </a:r>
             <a:br>
               <a:rPr lang="es-AR" sz="2000" kern="100" dirty="0">
@@ -5817,7 +5804,7 @@
                 <a:ea typeface="Aptos" panose="020B0004020202020204" pitchFamily="34" charset="0"/>
                 <a:cs typeface="Times New Roman" panose="02020603050405020304" pitchFamily="18" charset="0"/>
               </a:rPr>
-              <a:t>Analizar la evolución de la actividad turística a través las distintas gestiones locales de federación en perspectiva comparado con variables económicas nacionales como el poder adquisitivo, el PBI, el consumo público y políticas de promoción turística como el </a:t>
+              <a:t>Analizar la evolución de la actividad turística a través las distintas gestiones locales de federación en perspectiva comparada con variables económicas nacionales como el poder adquisitivo, el PBI, el consumo público y políticas de promoción turística como el </a:t>
             </a:r>
             <a:r>
               <a:rPr lang="es-AR" sz="2000" b="0" kern="100" dirty="0" err="1">
@@ -7777,7 +7764,7 @@
         </p:spPr>
         <p:txBody>
           <a:bodyPr vert="horz" lIns="91440" tIns="45720" rIns="91440" bIns="45720" rtlCol="0">
-            <a:normAutofit lnSpcReduction="10000"/>
+            <a:normAutofit/>
           </a:bodyPr>
           <a:lstStyle/>
           <a:p>
@@ -7791,400 +7778,10 @@
               <a:buNone/>
             </a:pPr>
             <a:r>
-              <a:rPr lang="en-US" sz="1400" dirty="0">
-                <a:effectLst/>
-              </a:rPr>
-              <a:t>En </a:t>
-            </a:r>
-            <a:r>
-              <a:rPr lang="en-US" sz="1400" dirty="0" err="1">
-                <a:effectLst/>
-              </a:rPr>
-              <a:t>primera</a:t>
-            </a:r>
-            <a:r>
-              <a:rPr lang="en-US" sz="1400" dirty="0">
-                <a:effectLst/>
-              </a:rPr>
-              <a:t> </a:t>
-            </a:r>
-            <a:r>
-              <a:rPr lang="en-US" sz="1400" dirty="0" err="1">
-                <a:effectLst/>
-              </a:rPr>
-              <a:t>instancia</a:t>
-            </a:r>
-            <a:r>
-              <a:rPr lang="en-US" sz="1400" dirty="0">
-                <a:effectLst/>
-              </a:rPr>
-              <a:t> </a:t>
-            </a:r>
-            <a:r>
-              <a:rPr lang="en-US" sz="1400" dirty="0" err="1">
-                <a:effectLst/>
-              </a:rPr>
-              <a:t>corroboramos</a:t>
-            </a:r>
-            <a:r>
-              <a:rPr lang="en-US" sz="1400" dirty="0">
-                <a:effectLst/>
-              </a:rPr>
-              <a:t> que </a:t>
-            </a:r>
-            <a:r>
-              <a:rPr lang="en-US" sz="1400" dirty="0" err="1">
-                <a:effectLst/>
-              </a:rPr>
-              <a:t>existe</a:t>
-            </a:r>
-            <a:r>
-              <a:rPr lang="en-US" sz="1400" dirty="0">
-                <a:effectLst/>
-              </a:rPr>
-              <a:t> </a:t>
-            </a:r>
-            <a:r>
-              <a:rPr lang="en-US" sz="1400" dirty="0" err="1">
-                <a:effectLst/>
-              </a:rPr>
-              <a:t>una</a:t>
-            </a:r>
-            <a:r>
-              <a:rPr lang="en-US" sz="1400" dirty="0">
-                <a:effectLst/>
-              </a:rPr>
-              <a:t> </a:t>
-            </a:r>
-            <a:r>
-              <a:rPr lang="en-US" sz="1400" dirty="0" err="1">
-                <a:effectLst/>
-              </a:rPr>
-              <a:t>relación</a:t>
-            </a:r>
-            <a:r>
-              <a:rPr lang="en-US" sz="1400" dirty="0">
-                <a:effectLst/>
-              </a:rPr>
-              <a:t> entre la </a:t>
-            </a:r>
-            <a:r>
-              <a:rPr lang="en-US" sz="1400" dirty="0" err="1">
-                <a:effectLst/>
-              </a:rPr>
-              <a:t>macroeconomía</a:t>
-            </a:r>
-            <a:r>
-              <a:rPr lang="en-US" sz="1400" dirty="0">
-                <a:effectLst/>
-              </a:rPr>
-              <a:t> y </a:t>
-            </a:r>
-            <a:r>
-              <a:rPr lang="en-US" sz="1400" dirty="0" err="1">
-                <a:effectLst/>
-              </a:rPr>
-              <a:t>una</a:t>
-            </a:r>
-            <a:r>
-              <a:rPr lang="en-US" sz="1400" dirty="0">
-                <a:effectLst/>
-              </a:rPr>
-              <a:t> </a:t>
-            </a:r>
-            <a:r>
-              <a:rPr lang="en-US" sz="1400" dirty="0" err="1">
-                <a:effectLst/>
-              </a:rPr>
-              <a:t>pequeña</a:t>
-            </a:r>
-            <a:r>
-              <a:rPr lang="en-US" sz="1400" dirty="0">
-                <a:effectLst/>
-              </a:rPr>
-              <a:t> ciudad </a:t>
-            </a:r>
-            <a:r>
-              <a:rPr lang="en-US" sz="1400" dirty="0" err="1">
-                <a:effectLst/>
-              </a:rPr>
-              <a:t>como</a:t>
-            </a:r>
-            <a:r>
-              <a:rPr lang="en-US" sz="1400" dirty="0">
-                <a:effectLst/>
-              </a:rPr>
-              <a:t> </a:t>
-            </a:r>
-            <a:r>
-              <a:rPr lang="en-US" sz="1400" dirty="0" err="1">
-                <a:effectLst/>
-              </a:rPr>
-              <a:t>federación</a:t>
-            </a:r>
-            <a:r>
-              <a:rPr lang="en-US" sz="1400" dirty="0">
-                <a:effectLst/>
-              </a:rPr>
-              <a:t>. La </a:t>
-            </a:r>
-            <a:r>
-              <a:rPr lang="en-US" sz="1400" dirty="0" err="1">
-                <a:effectLst/>
-              </a:rPr>
-              <a:t>evolución</a:t>
-            </a:r>
-            <a:r>
-              <a:rPr lang="en-US" sz="1400" dirty="0">
-                <a:effectLst/>
-              </a:rPr>
-              <a:t> de </a:t>
-            </a:r>
-            <a:r>
-              <a:rPr lang="en-US" sz="1400" dirty="0" err="1">
-                <a:effectLst/>
-              </a:rPr>
-              <a:t>venta</a:t>
-            </a:r>
-            <a:r>
-              <a:rPr lang="en-US" sz="1400" dirty="0">
-                <a:effectLst/>
-              </a:rPr>
-              <a:t> de entradas </a:t>
-            </a:r>
-            <a:r>
-              <a:rPr lang="en-US" sz="1400" dirty="0" err="1">
-                <a:effectLst/>
-              </a:rPr>
-              <a:t>en</a:t>
-            </a:r>
-            <a:r>
-              <a:rPr lang="en-US" sz="1400" dirty="0">
-                <a:effectLst/>
-              </a:rPr>
-              <a:t> </a:t>
-            </a:r>
-            <a:r>
-              <a:rPr lang="en-US" sz="1400" dirty="0" err="1">
-                <a:effectLst/>
-              </a:rPr>
-              <a:t>el</a:t>
-            </a:r>
-            <a:r>
-              <a:rPr lang="en-US" sz="1400" dirty="0">
-                <a:effectLst/>
-              </a:rPr>
-              <a:t> </a:t>
-            </a:r>
-            <a:r>
-              <a:rPr lang="en-US" sz="1400" dirty="0" err="1">
-                <a:effectLst/>
-              </a:rPr>
-              <a:t>trimestre</a:t>
-            </a:r>
-            <a:r>
-              <a:rPr lang="en-US" sz="1400" dirty="0">
-                <a:effectLst/>
-              </a:rPr>
-              <a:t> </a:t>
-            </a:r>
-            <a:r>
-              <a:rPr lang="en-US" sz="1400" dirty="0" err="1">
-                <a:effectLst/>
-              </a:rPr>
-              <a:t>más</a:t>
-            </a:r>
-            <a:r>
-              <a:rPr lang="en-US" sz="1400" dirty="0">
-                <a:effectLst/>
-              </a:rPr>
-              <a:t> </a:t>
-            </a:r>
-            <a:r>
-              <a:rPr lang="en-US" sz="1400" dirty="0" err="1">
-                <a:effectLst/>
-              </a:rPr>
-              <a:t>pujante</a:t>
-            </a:r>
-            <a:r>
-              <a:rPr lang="en-US" sz="1400" dirty="0">
-                <a:effectLst/>
-              </a:rPr>
-              <a:t> (1ro) </a:t>
-            </a:r>
-            <a:r>
-              <a:rPr lang="en-US" sz="1400" dirty="0" err="1">
-                <a:effectLst/>
-              </a:rPr>
-              <a:t>fluctúa</a:t>
-            </a:r>
-            <a:r>
-              <a:rPr lang="en-US" sz="1400" dirty="0">
-                <a:effectLst/>
-              </a:rPr>
-              <a:t> </a:t>
-            </a:r>
-            <a:r>
-              <a:rPr lang="en-US" sz="1400" dirty="0" err="1">
-                <a:effectLst/>
-              </a:rPr>
-              <a:t>en</a:t>
-            </a:r>
-            <a:r>
-              <a:rPr lang="en-US" sz="1400" dirty="0">
-                <a:effectLst/>
-              </a:rPr>
-              <a:t> </a:t>
-            </a:r>
-            <a:r>
-              <a:rPr lang="en-US" sz="1400" dirty="0" err="1">
-                <a:effectLst/>
-              </a:rPr>
-              <a:t>el</a:t>
-            </a:r>
-            <a:r>
-              <a:rPr lang="en-US" sz="1400" dirty="0">
-                <a:effectLst/>
-              </a:rPr>
-              <a:t> </a:t>
-            </a:r>
-            <a:r>
-              <a:rPr lang="en-US" sz="1400" dirty="0" err="1">
-                <a:effectLst/>
-              </a:rPr>
-              <a:t>mismo</a:t>
-            </a:r>
-            <a:r>
-              <a:rPr lang="en-US" sz="1400" dirty="0">
-                <a:effectLst/>
-              </a:rPr>
-              <a:t> </a:t>
-            </a:r>
-            <a:r>
-              <a:rPr lang="en-US" sz="1400" dirty="0" err="1">
-                <a:effectLst/>
-              </a:rPr>
-              <a:t>sentido</a:t>
-            </a:r>
-            <a:r>
-              <a:rPr lang="en-US" sz="1400" dirty="0">
-                <a:effectLst/>
-              </a:rPr>
-              <a:t> que </a:t>
-            </a:r>
-            <a:r>
-              <a:rPr lang="en-US" sz="1400" dirty="0" err="1">
-                <a:effectLst/>
-              </a:rPr>
-              <a:t>el</a:t>
-            </a:r>
-            <a:r>
-              <a:rPr lang="en-US" sz="1400" dirty="0">
-                <a:effectLst/>
-              </a:rPr>
-              <a:t> </a:t>
-            </a:r>
-            <a:r>
-              <a:rPr lang="en-US" sz="1400" dirty="0" err="1">
-                <a:effectLst/>
-              </a:rPr>
-              <a:t>consumo</a:t>
-            </a:r>
-            <a:r>
-              <a:rPr lang="en-US" sz="1400" dirty="0">
-                <a:effectLst/>
-              </a:rPr>
-              <a:t> privado </a:t>
-            </a:r>
-            <a:r>
-              <a:rPr lang="en-US" sz="1400" dirty="0" err="1">
-                <a:effectLst/>
-              </a:rPr>
-              <a:t>en</a:t>
-            </a:r>
-            <a:r>
-              <a:rPr lang="en-US" sz="1400" dirty="0">
-                <a:effectLst/>
-              </a:rPr>
-              <a:t> </a:t>
-            </a:r>
-            <a:r>
-              <a:rPr lang="en-US" sz="1400" dirty="0" err="1">
-                <a:effectLst/>
-              </a:rPr>
-              <a:t>casi</a:t>
-            </a:r>
-            <a:r>
-              <a:rPr lang="en-US" sz="1400" dirty="0">
-                <a:effectLst/>
-              </a:rPr>
-              <a:t> </a:t>
-            </a:r>
-            <a:r>
-              <a:rPr lang="en-US" sz="1400" dirty="0" err="1">
-                <a:effectLst/>
-              </a:rPr>
-              <a:t>todos</a:t>
-            </a:r>
-            <a:r>
-              <a:rPr lang="en-US" sz="1400" dirty="0">
-                <a:effectLst/>
-              </a:rPr>
-              <a:t> </a:t>
-            </a:r>
-            <a:r>
-              <a:rPr lang="en-US" sz="1400" dirty="0" err="1">
-                <a:effectLst/>
-              </a:rPr>
-              <a:t>los</a:t>
-            </a:r>
-            <a:r>
-              <a:rPr lang="en-US" sz="1400" dirty="0">
-                <a:effectLst/>
-              </a:rPr>
-              <a:t> </a:t>
-            </a:r>
-            <a:r>
-              <a:rPr lang="en-US" sz="1400" dirty="0" err="1">
-                <a:effectLst/>
-              </a:rPr>
-              <a:t>años</a:t>
-            </a:r>
-            <a:r>
-              <a:rPr lang="en-US" sz="1400" dirty="0">
-                <a:effectLst/>
-              </a:rPr>
-              <a:t>. </a:t>
-            </a:r>
-            <a:r>
-              <a:rPr lang="en-US" sz="1400" dirty="0" err="1">
-                <a:effectLst/>
-              </a:rPr>
-              <a:t>Además</a:t>
-            </a:r>
-            <a:r>
-              <a:rPr lang="en-US" sz="1400" dirty="0">
-                <a:effectLst/>
-              </a:rPr>
-              <a:t>, </a:t>
-            </a:r>
-            <a:r>
-              <a:rPr lang="en-US" sz="1400" dirty="0" err="1">
-                <a:effectLst/>
-              </a:rPr>
-              <a:t>podemos</a:t>
-            </a:r>
-            <a:r>
-              <a:rPr lang="en-US" sz="1400" dirty="0">
-                <a:effectLst/>
-              </a:rPr>
-              <a:t> </a:t>
-            </a:r>
-            <a:r>
-              <a:rPr lang="en-US" sz="1400" dirty="0" err="1">
-                <a:effectLst/>
-              </a:rPr>
-              <a:t>destacar</a:t>
+              <a:rPr lang="es-ES" sz="1400" dirty="0">
+                <a:effectLst/>
+              </a:rPr>
+              <a:t>Observamos que en el periodo 2016-2019 el estancamiento en los salarios reales se corresponde con una estabilidad en la venta de entradas en dichas temporadas de verano. De ahí en más</a:t>
             </a:r>
             <a:r>
               <a:rPr lang="en-US" sz="1400" dirty="0">
@@ -8206,130 +7803,10 @@
               </a:tabLst>
             </a:pPr>
             <a:r>
-              <a:rPr lang="en-US" sz="1400" dirty="0">
-                <a:effectLst/>
-              </a:rPr>
-              <a:t>Que la actual crisis </a:t>
-            </a:r>
-            <a:r>
-              <a:rPr lang="en-US" sz="1400" dirty="0" err="1">
-                <a:effectLst/>
-              </a:rPr>
-              <a:t>turística</a:t>
-            </a:r>
-            <a:r>
-              <a:rPr lang="en-US" sz="1400" dirty="0">
-                <a:effectLst/>
-              </a:rPr>
-              <a:t> de </a:t>
-            </a:r>
-            <a:r>
-              <a:rPr lang="en-US" sz="1400" dirty="0" err="1">
-                <a:effectLst/>
-              </a:rPr>
-              <a:t>Federación</a:t>
-            </a:r>
-            <a:r>
-              <a:rPr lang="en-US" sz="1400" dirty="0">
-                <a:effectLst/>
-              </a:rPr>
-              <a:t> se </a:t>
-            </a:r>
-            <a:r>
-              <a:rPr lang="en-US" sz="1400" dirty="0" err="1">
-                <a:effectLst/>
-              </a:rPr>
-              <a:t>corresponde</a:t>
-            </a:r>
-            <a:r>
-              <a:rPr lang="en-US" sz="1400" dirty="0">
-                <a:effectLst/>
-              </a:rPr>
-              <a:t> con </a:t>
-            </a:r>
-            <a:r>
-              <a:rPr lang="en-US" sz="1400" dirty="0" err="1">
-                <a:effectLst/>
-              </a:rPr>
-              <a:t>una</a:t>
-            </a:r>
-            <a:r>
-              <a:rPr lang="en-US" sz="1400" dirty="0">
-                <a:effectLst/>
-              </a:rPr>
-              <a:t> </a:t>
-            </a:r>
-            <a:r>
-              <a:rPr lang="en-US" sz="1400" dirty="0" err="1">
-                <a:effectLst/>
-              </a:rPr>
-              <a:t>abrupta</a:t>
-            </a:r>
-            <a:r>
-              <a:rPr lang="en-US" sz="1400" dirty="0">
-                <a:effectLst/>
-              </a:rPr>
-              <a:t> </a:t>
-            </a:r>
-            <a:r>
-              <a:rPr lang="en-US" sz="1400" dirty="0" err="1">
-                <a:effectLst/>
-              </a:rPr>
-              <a:t>caída</a:t>
-            </a:r>
-            <a:r>
-              <a:rPr lang="en-US" sz="1400" dirty="0">
-                <a:effectLst/>
-              </a:rPr>
-              <a:t> </a:t>
-            </a:r>
-            <a:r>
-              <a:rPr lang="en-US" sz="1400" dirty="0" err="1">
-                <a:effectLst/>
-              </a:rPr>
-              <a:t>en</a:t>
-            </a:r>
-            <a:r>
-              <a:rPr lang="en-US" sz="1400" dirty="0">
-                <a:effectLst/>
-              </a:rPr>
-              <a:t> </a:t>
-            </a:r>
-            <a:r>
-              <a:rPr lang="en-US" sz="1400" dirty="0" err="1">
-                <a:effectLst/>
-              </a:rPr>
-              <a:t>el</a:t>
-            </a:r>
-            <a:r>
-              <a:rPr lang="en-US" sz="1400" dirty="0">
-                <a:effectLst/>
-              </a:rPr>
-              <a:t> </a:t>
-            </a:r>
-            <a:r>
-              <a:rPr lang="en-US" sz="1400" dirty="0" err="1">
-                <a:effectLst/>
-              </a:rPr>
-              <a:t>consumo</a:t>
-            </a:r>
-            <a:r>
-              <a:rPr lang="en-US" sz="1400" dirty="0">
-                <a:effectLst/>
-              </a:rPr>
-              <a:t> privado </a:t>
-            </a:r>
-            <a:r>
-              <a:rPr lang="en-US" sz="1400" dirty="0" err="1">
-                <a:effectLst/>
-              </a:rPr>
-              <a:t>nacional</a:t>
-            </a:r>
-            <a:r>
-              <a:rPr lang="en-US" sz="1400" dirty="0">
-                <a:effectLst/>
-              </a:rPr>
-              <a:t>.</a:t>
+              <a:rPr lang="es-ES" sz="1400" dirty="0">
+                <a:effectLst/>
+              </a:rPr>
+              <a:t>Como en la gráfica anterior, el año 2020 de cambio de gestión muestra un repunte de la venta de entradas aun con un salario real que continuaba en leve decrecimiento.</a:t>
             </a:r>
           </a:p>
           <a:p>
@@ -8337,9 +7814,6 @@
               <a:lnSpc>
                 <a:spcPct val="120000"/>
               </a:lnSpc>
-              <a:spcAft>
-                <a:spcPts val="800"/>
-              </a:spcAft>
               <a:buSzPts val="1000"/>
               <a:buFont typeface="Arial" panose="020B0604020202020204" pitchFamily="34" charset="0"/>
               <a:buChar char="•"/>
@@ -8348,461 +7822,54 @@
               </a:tabLst>
             </a:pPr>
             <a:r>
-              <a:rPr lang="en-US" sz="1400" dirty="0">
-                <a:effectLst/>
-              </a:rPr>
-              <a:t>Que </a:t>
-            </a:r>
-            <a:r>
-              <a:rPr lang="en-US" sz="1400" dirty="0" err="1">
-                <a:effectLst/>
-              </a:rPr>
-              <a:t>el</a:t>
-            </a:r>
-            <a:r>
-              <a:rPr lang="en-US" sz="1400" dirty="0">
-                <a:effectLst/>
-              </a:rPr>
-              <a:t> </a:t>
-            </a:r>
-            <a:r>
-              <a:rPr lang="en-US" sz="1400" dirty="0" err="1">
-                <a:effectLst/>
-              </a:rPr>
-              <a:t>único</a:t>
-            </a:r>
-            <a:r>
-              <a:rPr lang="en-US" sz="1400" dirty="0">
-                <a:effectLst/>
-              </a:rPr>
-              <a:t> </a:t>
-            </a:r>
-            <a:r>
-              <a:rPr lang="en-US" sz="1400" dirty="0" err="1">
-                <a:effectLst/>
-              </a:rPr>
-              <a:t>año</a:t>
-            </a:r>
-            <a:r>
-              <a:rPr lang="en-US" sz="1400" dirty="0">
-                <a:effectLst/>
-              </a:rPr>
-              <a:t> </a:t>
-            </a:r>
-            <a:r>
-              <a:rPr lang="en-US" sz="1400" dirty="0" err="1">
-                <a:effectLst/>
-              </a:rPr>
-              <a:t>en</a:t>
-            </a:r>
-            <a:r>
-              <a:rPr lang="en-US" sz="1400" dirty="0">
-                <a:effectLst/>
-              </a:rPr>
-              <a:t> que </a:t>
-            </a:r>
-            <a:r>
-              <a:rPr lang="en-US" sz="1400" dirty="0" err="1">
-                <a:effectLst/>
-              </a:rPr>
-              <a:t>el</a:t>
-            </a:r>
-            <a:r>
-              <a:rPr lang="en-US" sz="1400" dirty="0">
-                <a:effectLst/>
-              </a:rPr>
-              <a:t> </a:t>
-            </a:r>
-            <a:r>
-              <a:rPr lang="en-US" sz="1400" dirty="0" err="1">
-                <a:effectLst/>
-              </a:rPr>
-              <a:t>consumo</a:t>
-            </a:r>
-            <a:r>
-              <a:rPr lang="en-US" sz="1400" dirty="0">
-                <a:effectLst/>
-              </a:rPr>
-              <a:t> privado y la </a:t>
-            </a:r>
-            <a:r>
-              <a:rPr lang="en-US" sz="1400" dirty="0" err="1">
-                <a:effectLst/>
-              </a:rPr>
-              <a:t>tendencia</a:t>
-            </a:r>
-            <a:r>
-              <a:rPr lang="en-US" sz="1400" dirty="0">
-                <a:effectLst/>
-              </a:rPr>
-              <a:t> </a:t>
-            </a:r>
-            <a:r>
-              <a:rPr lang="en-US" sz="1400" dirty="0" err="1">
-                <a:effectLst/>
-              </a:rPr>
-              <a:t>en</a:t>
-            </a:r>
-            <a:r>
-              <a:rPr lang="en-US" sz="1400" dirty="0">
-                <a:effectLst/>
-              </a:rPr>
-              <a:t> </a:t>
-            </a:r>
-            <a:r>
-              <a:rPr lang="en-US" sz="1400" dirty="0" err="1">
-                <a:effectLst/>
-              </a:rPr>
-              <a:t>ventas</a:t>
-            </a:r>
-            <a:r>
-              <a:rPr lang="en-US" sz="1400" dirty="0">
-                <a:effectLst/>
-              </a:rPr>
-              <a:t> de entrada </a:t>
-            </a:r>
-            <a:r>
-              <a:rPr lang="en-US" sz="1400" dirty="0" err="1">
-                <a:effectLst/>
-              </a:rPr>
-              <a:t>oscilan</a:t>
-            </a:r>
-            <a:r>
-              <a:rPr lang="en-US" sz="1400" dirty="0">
-                <a:effectLst/>
-              </a:rPr>
-              <a:t> </a:t>
-            </a:r>
-            <a:r>
-              <a:rPr lang="en-US" sz="1400" dirty="0" err="1">
-                <a:effectLst/>
-              </a:rPr>
-              <a:t>en</a:t>
-            </a:r>
-            <a:r>
-              <a:rPr lang="en-US" sz="1400" dirty="0">
-                <a:effectLst/>
-              </a:rPr>
-              <a:t> </a:t>
-            </a:r>
-            <a:r>
-              <a:rPr lang="en-US" sz="1400" dirty="0" err="1">
-                <a:effectLst/>
-              </a:rPr>
-              <a:t>sentidos</a:t>
-            </a:r>
-            <a:r>
-              <a:rPr lang="en-US" sz="1400" dirty="0">
-                <a:effectLst/>
-              </a:rPr>
-              <a:t> </a:t>
-            </a:r>
-            <a:r>
-              <a:rPr lang="en-US" sz="1400" dirty="0" err="1">
-                <a:effectLst/>
-              </a:rPr>
-              <a:t>opuestos</a:t>
-            </a:r>
-            <a:r>
-              <a:rPr lang="en-US" sz="1400" dirty="0">
-                <a:effectLst/>
-              </a:rPr>
-              <a:t> es 2020. En </a:t>
-            </a:r>
-            <a:r>
-              <a:rPr lang="en-US" sz="1400" dirty="0" err="1">
-                <a:effectLst/>
-              </a:rPr>
-              <a:t>este</a:t>
-            </a:r>
-            <a:r>
-              <a:rPr lang="en-US" sz="1400" dirty="0">
-                <a:effectLst/>
-              </a:rPr>
-              <a:t> </a:t>
-            </a:r>
-            <a:r>
-              <a:rPr lang="en-US" sz="1400" dirty="0" err="1">
-                <a:effectLst/>
-              </a:rPr>
-              <a:t>año</a:t>
-            </a:r>
-            <a:r>
-              <a:rPr lang="en-US" sz="1400" dirty="0">
-                <a:effectLst/>
-              </a:rPr>
-              <a:t> de </a:t>
-            </a:r>
-            <a:r>
-              <a:rPr lang="en-US" sz="1400" dirty="0" err="1">
-                <a:effectLst/>
-              </a:rPr>
-              <a:t>cambio</a:t>
-            </a:r>
-            <a:r>
-              <a:rPr lang="en-US" sz="1400" dirty="0">
-                <a:effectLst/>
-              </a:rPr>
-              <a:t> de </a:t>
-            </a:r>
-            <a:r>
-              <a:rPr lang="en-US" sz="1400" dirty="0" err="1">
-                <a:effectLst/>
-              </a:rPr>
-              <a:t>gestión</a:t>
-            </a:r>
-            <a:r>
-              <a:rPr lang="en-US" sz="1400" dirty="0">
-                <a:effectLst/>
-              </a:rPr>
-              <a:t>, se </a:t>
-            </a:r>
-            <a:r>
-              <a:rPr lang="en-US" sz="1400" dirty="0" err="1">
-                <a:effectLst/>
-              </a:rPr>
-              <a:t>logra</a:t>
-            </a:r>
-            <a:r>
-              <a:rPr lang="en-US" sz="1400" dirty="0">
-                <a:effectLst/>
-              </a:rPr>
-              <a:t> </a:t>
-            </a:r>
-            <a:r>
-              <a:rPr lang="en-US" sz="1400" dirty="0" err="1">
-                <a:effectLst/>
-              </a:rPr>
-              <a:t>mejorar</a:t>
-            </a:r>
-            <a:r>
-              <a:rPr lang="en-US" sz="1400" dirty="0">
-                <a:effectLst/>
-              </a:rPr>
-              <a:t> </a:t>
-            </a:r>
-            <a:r>
-              <a:rPr lang="en-US" sz="1400" dirty="0" err="1">
-                <a:effectLst/>
-              </a:rPr>
-              <a:t>el</a:t>
-            </a:r>
-            <a:r>
-              <a:rPr lang="en-US" sz="1400" dirty="0">
-                <a:effectLst/>
-              </a:rPr>
-              <a:t> </a:t>
-            </a:r>
-            <a:r>
-              <a:rPr lang="en-US" sz="1400" dirty="0" err="1">
-                <a:effectLst/>
-              </a:rPr>
-              <a:t>nivel</a:t>
-            </a:r>
-            <a:r>
-              <a:rPr lang="en-US" sz="1400" dirty="0">
-                <a:effectLst/>
-              </a:rPr>
-              <a:t> general de </a:t>
-            </a:r>
-            <a:r>
-              <a:rPr lang="en-US" sz="1400" dirty="0" err="1">
-                <a:effectLst/>
-              </a:rPr>
-              <a:t>ventas</a:t>
-            </a:r>
-            <a:r>
-              <a:rPr lang="en-US" sz="1400" dirty="0">
-                <a:effectLst/>
-              </a:rPr>
-              <a:t> a </a:t>
-            </a:r>
-            <a:r>
-              <a:rPr lang="en-US" sz="1400" dirty="0" err="1">
-                <a:effectLst/>
-              </a:rPr>
-              <a:t>pesar</a:t>
-            </a:r>
-            <a:r>
-              <a:rPr lang="en-US" sz="1400" dirty="0">
-                <a:effectLst/>
-              </a:rPr>
-              <a:t> de </a:t>
-            </a:r>
-            <a:r>
-              <a:rPr lang="en-US" sz="1400" dirty="0" err="1">
-                <a:effectLst/>
-              </a:rPr>
-              <a:t>una</a:t>
-            </a:r>
-            <a:r>
-              <a:rPr lang="en-US" sz="1400" dirty="0">
-                <a:effectLst/>
-              </a:rPr>
-              <a:t> </a:t>
-            </a:r>
-            <a:r>
-              <a:rPr lang="en-US" sz="1400" dirty="0" err="1">
-                <a:effectLst/>
-              </a:rPr>
-              <a:t>marcada</a:t>
-            </a:r>
-            <a:r>
-              <a:rPr lang="en-US" sz="1400" dirty="0">
-                <a:effectLst/>
-              </a:rPr>
-              <a:t> </a:t>
-            </a:r>
-            <a:r>
-              <a:rPr lang="en-US" sz="1400" dirty="0" err="1">
-                <a:effectLst/>
-              </a:rPr>
-              <a:t>caída</a:t>
-            </a:r>
-            <a:r>
-              <a:rPr lang="en-US" sz="1400" dirty="0">
-                <a:effectLst/>
-              </a:rPr>
-              <a:t> del </a:t>
-            </a:r>
-            <a:r>
-              <a:rPr lang="en-US" sz="1400" dirty="0" err="1">
-                <a:effectLst/>
-              </a:rPr>
-              <a:t>consumo</a:t>
-            </a:r>
-            <a:r>
-              <a:rPr lang="en-US" sz="1400" dirty="0">
-                <a:effectLst/>
-              </a:rPr>
-              <a:t>. </a:t>
-            </a:r>
-            <a:r>
-              <a:rPr lang="en-US" sz="1400" dirty="0" err="1">
-                <a:effectLst/>
-              </a:rPr>
-              <a:t>Tengamos</a:t>
-            </a:r>
-            <a:r>
-              <a:rPr lang="en-US" sz="1400" dirty="0">
-                <a:effectLst/>
-              </a:rPr>
-              <a:t> </a:t>
-            </a:r>
-            <a:r>
-              <a:rPr lang="en-US" sz="1400" dirty="0" err="1">
-                <a:effectLst/>
-              </a:rPr>
-              <a:t>presente</a:t>
-            </a:r>
-            <a:r>
-              <a:rPr lang="en-US" sz="1400" dirty="0">
-                <a:effectLst/>
-              </a:rPr>
-              <a:t> que la pandemia no </a:t>
-            </a:r>
-            <a:r>
-              <a:rPr lang="en-US" sz="1400" dirty="0" err="1">
-                <a:effectLst/>
-              </a:rPr>
-              <a:t>influye</a:t>
-            </a:r>
-            <a:r>
-              <a:rPr lang="en-US" sz="1400" dirty="0">
-                <a:effectLst/>
-              </a:rPr>
-              <a:t> </a:t>
-            </a:r>
-            <a:r>
-              <a:rPr lang="en-US" sz="1400" dirty="0" err="1">
-                <a:effectLst/>
-              </a:rPr>
-              <a:t>en</a:t>
-            </a:r>
-            <a:r>
-              <a:rPr lang="en-US" sz="1400" dirty="0">
-                <a:effectLst/>
-              </a:rPr>
-              <a:t> lo </a:t>
-            </a:r>
-            <a:r>
-              <a:rPr lang="en-US" sz="1400" dirty="0" err="1">
-                <a:effectLst/>
-              </a:rPr>
-              <a:t>expuesto</a:t>
-            </a:r>
-            <a:r>
-              <a:rPr lang="en-US" sz="1400" dirty="0">
-                <a:effectLst/>
-              </a:rPr>
-              <a:t> </a:t>
-            </a:r>
-            <a:r>
-              <a:rPr lang="en-US" sz="1400" dirty="0" err="1">
-                <a:effectLst/>
-              </a:rPr>
-              <a:t>ya</a:t>
-            </a:r>
-            <a:r>
-              <a:rPr lang="en-US" sz="1400" dirty="0">
-                <a:effectLst/>
-              </a:rPr>
-              <a:t> que sus </a:t>
-            </a:r>
-            <a:r>
-              <a:rPr lang="en-US" sz="1400" dirty="0" err="1">
-                <a:effectLst/>
-              </a:rPr>
-              <a:t>efectos</a:t>
-            </a:r>
-            <a:r>
-              <a:rPr lang="en-US" sz="1400" dirty="0">
-                <a:effectLst/>
-              </a:rPr>
-              <a:t> </a:t>
-            </a:r>
-            <a:r>
-              <a:rPr lang="en-US" sz="1400" dirty="0" err="1">
-                <a:effectLst/>
-              </a:rPr>
-              <a:t>empiezan</a:t>
-            </a:r>
-            <a:r>
-              <a:rPr lang="en-US" sz="1400" dirty="0">
-                <a:effectLst/>
-              </a:rPr>
-              <a:t> a </a:t>
-            </a:r>
-            <a:r>
-              <a:rPr lang="en-US" sz="1400" dirty="0" err="1">
-                <a:effectLst/>
-              </a:rPr>
-              <a:t>sentirse</a:t>
-            </a:r>
-            <a:r>
-              <a:rPr lang="en-US" sz="1400" dirty="0">
-                <a:effectLst/>
-              </a:rPr>
-              <a:t> a finales de </a:t>
-            </a:r>
-            <a:r>
-              <a:rPr lang="en-US" sz="1400" dirty="0" err="1">
-                <a:effectLst/>
-              </a:rPr>
-              <a:t>marzo</a:t>
-            </a:r>
-            <a:r>
-              <a:rPr lang="en-US" sz="1400" dirty="0">
-                <a:effectLst/>
-              </a:rPr>
-              <a:t>.</a:t>
-            </a:r>
-          </a:p>
-          <a:p>
-            <a:pPr>
+              <a:rPr lang="es-ES" sz="1400" dirty="0">
+                <a:effectLst/>
+              </a:rPr>
+              <a:t>El año 2022 muestra un mayor desacople entre las variables. Probablemente esto pueda ser explicado por la implementación de la segunda edición del </a:t>
+            </a:r>
+            <a:r>
+              <a:rPr lang="es-ES" sz="1400" dirty="0" err="1">
+                <a:effectLst/>
+              </a:rPr>
+              <a:t>pre-viaje</a:t>
+            </a:r>
+            <a:r>
+              <a:rPr lang="es-ES" sz="1400" dirty="0">
+                <a:effectLst/>
+              </a:rPr>
+              <a:t> y por ende el consumo público. Posibilidad a ser explorada en la entrega final.</a:t>
+            </a:r>
+          </a:p>
+          <a:p>
+            <a:pPr marL="400050" indent="-285750">
               <a:lnSpc>
                 <a:spcPct val="120000"/>
               </a:lnSpc>
+              <a:buSzPts val="1000"/>
+              <a:buFont typeface="Arial" panose="020B0604020202020204" pitchFamily="34" charset="0"/>
+              <a:buChar char="•"/>
+              <a:tabLst>
+                <a:tab pos="457200" algn="l"/>
+              </a:tabLst>
+            </a:pPr>
+            <a:r>
+              <a:rPr lang="es-ES" sz="1400" dirty="0">
+                <a:effectLst/>
+              </a:rPr>
+              <a:t>En la ultima temporada turística, confluyen el nivel mas bajo del salario real con el peor desempeño en venta de entradas</a:t>
+            </a:r>
+          </a:p>
+          <a:p>
+            <a:pPr marL="400050" indent="-285750">
+              <a:lnSpc>
+                <a:spcPct val="120000"/>
+              </a:lnSpc>
+              <a:buSzPts val="1000"/>
+              <a:buFont typeface="Arial" panose="020B0604020202020204" pitchFamily="34" charset="0"/>
+              <a:buChar char="•"/>
+              <a:tabLst>
+                <a:tab pos="457200" algn="l"/>
+              </a:tabLst>
             </a:pPr>
             <a:endParaRPr lang="en-US" sz="1100" dirty="0"/>
           </a:p>
@@ -8837,7 +7904,7 @@
         </p:blipFill>
         <p:spPr bwMode="auto">
           <a:xfrm>
-            <a:off x="402097" y="3043872"/>
+            <a:off x="402097" y="3126168"/>
             <a:ext cx="11397343" cy="3665352"/>
           </a:xfrm>
           <a:prstGeom prst="rect">

--- a/Presentacion termas.pptx
+++ b/Presentacion termas.pptx
@@ -7406,6 +7406,78 @@
           </a:ln>
         </p:spPr>
       </p:pic>
+      <p:sp>
+        <p:nvSpPr>
+          <p:cNvPr id="3" name="CuadroTexto 2">
+            <a:extLst>
+              <a:ext uri="{FF2B5EF4-FFF2-40B4-BE49-F238E27FC236}">
+                <a16:creationId xmlns:a16="http://schemas.microsoft.com/office/drawing/2014/main" id="{3D1EFAAF-84A9-9A28-9650-3EE415176D69}"/>
+              </a:ext>
+            </a:extLst>
+          </p:cNvPr>
+          <p:cNvSpPr txBox="1"/>
+          <p:nvPr/>
+        </p:nvSpPr>
+        <p:spPr>
+          <a:xfrm>
+            <a:off x="435427" y="3600609"/>
+            <a:ext cx="1970315" cy="369332"/>
+          </a:xfrm>
+          <a:prstGeom prst="rect">
+            <a:avLst/>
+          </a:prstGeom>
+          <a:noFill/>
+        </p:spPr>
+        <p:txBody>
+          <a:bodyPr wrap="square" rtlCol="0">
+            <a:spAutoFit/>
+          </a:bodyPr>
+          <a:lstStyle/>
+          <a:p>
+            <a:r>
+              <a:rPr lang="es-MX" sz="900" dirty="0"/>
+              <a:t>Valores trimestrales en millones de pesos a precios de 2004</a:t>
+            </a:r>
+            <a:endParaRPr lang="es-AR" sz="900" dirty="0"/>
+          </a:p>
+        </p:txBody>
+      </p:sp>
+      <p:sp>
+        <p:nvSpPr>
+          <p:cNvPr id="5" name="CuadroTexto 4">
+            <a:extLst>
+              <a:ext uri="{FF2B5EF4-FFF2-40B4-BE49-F238E27FC236}">
+                <a16:creationId xmlns:a16="http://schemas.microsoft.com/office/drawing/2014/main" id="{38C74C08-0981-B377-5F0E-A2FEC6B5C642}"/>
+              </a:ext>
+            </a:extLst>
+          </p:cNvPr>
+          <p:cNvSpPr txBox="1"/>
+          <p:nvPr/>
+        </p:nvSpPr>
+        <p:spPr>
+          <a:xfrm>
+            <a:off x="9808030" y="3645974"/>
+            <a:ext cx="1970315" cy="230832"/>
+          </a:xfrm>
+          <a:prstGeom prst="rect">
+            <a:avLst/>
+          </a:prstGeom>
+          <a:noFill/>
+        </p:spPr>
+        <p:txBody>
+          <a:bodyPr wrap="square" rtlCol="0">
+            <a:spAutoFit/>
+          </a:bodyPr>
+          <a:lstStyle/>
+          <a:p>
+            <a:r>
+              <a:rPr lang="es-MX" sz="900" dirty="0"/>
+              <a:t>Venta de entradas</a:t>
+            </a:r>
+            <a:endParaRPr lang="es-AR" sz="900" dirty="0"/>
+          </a:p>
+        </p:txBody>
+      </p:sp>
     </p:spTree>
     <p:extLst>
       <p:ext uri="{BB962C8B-B14F-4D97-AF65-F5344CB8AC3E}">
@@ -7916,6 +7988,98 @@
           </a:ln>
         </p:spPr>
       </p:pic>
+      <p:sp>
+        <p:nvSpPr>
+          <p:cNvPr id="2" name="CuadroTexto 1">
+            <a:extLst>
+              <a:ext uri="{FF2B5EF4-FFF2-40B4-BE49-F238E27FC236}">
+                <a16:creationId xmlns:a16="http://schemas.microsoft.com/office/drawing/2014/main" id="{ABA7575F-BB12-9125-7DD9-1117B3A87BA0}"/>
+              </a:ext>
+            </a:extLst>
+          </p:cNvPr>
+          <p:cNvSpPr txBox="1"/>
+          <p:nvPr/>
+        </p:nvSpPr>
+        <p:spPr>
+          <a:xfrm>
+            <a:off x="9808030" y="3645974"/>
+            <a:ext cx="1970315" cy="230832"/>
+          </a:xfrm>
+          <a:prstGeom prst="rect">
+            <a:avLst/>
+          </a:prstGeom>
+          <a:noFill/>
+        </p:spPr>
+        <p:txBody>
+          <a:bodyPr wrap="square" rtlCol="0">
+            <a:spAutoFit/>
+          </a:bodyPr>
+          <a:lstStyle/>
+          <a:p>
+            <a:r>
+              <a:rPr lang="es-MX" sz="900" dirty="0"/>
+              <a:t>Venta de entradas</a:t>
+            </a:r>
+            <a:endParaRPr lang="es-AR" sz="900" dirty="0"/>
+          </a:p>
+        </p:txBody>
+      </p:sp>
+      <p:sp>
+        <p:nvSpPr>
+          <p:cNvPr id="3" name="CuadroTexto 2">
+            <a:extLst>
+              <a:ext uri="{FF2B5EF4-FFF2-40B4-BE49-F238E27FC236}">
+                <a16:creationId xmlns:a16="http://schemas.microsoft.com/office/drawing/2014/main" id="{4203DF5F-FDE6-4747-D638-7271923480FA}"/>
+              </a:ext>
+            </a:extLst>
+          </p:cNvPr>
+          <p:cNvSpPr txBox="1"/>
+          <p:nvPr/>
+        </p:nvSpPr>
+        <p:spPr>
+          <a:xfrm>
+            <a:off x="413655" y="3645974"/>
+            <a:ext cx="1970315" cy="369332"/>
+          </a:xfrm>
+          <a:prstGeom prst="rect">
+            <a:avLst/>
+          </a:prstGeom>
+          <a:noFill/>
+        </p:spPr>
+        <p:txBody>
+          <a:bodyPr wrap="square" rtlCol="0">
+            <a:spAutoFit/>
+          </a:bodyPr>
+          <a:lstStyle/>
+          <a:p>
+            <a:r>
+              <a:rPr lang="en-US" sz="900" dirty="0" err="1"/>
+              <a:t>Indice</a:t>
+            </a:r>
+            <a:r>
+              <a:rPr lang="en-US" sz="900" dirty="0"/>
+              <a:t> de </a:t>
+            </a:r>
+            <a:r>
+              <a:rPr lang="en-US" sz="900" dirty="0" err="1"/>
+              <a:t>salarios</a:t>
+            </a:r>
+            <a:r>
+              <a:rPr lang="en-US" sz="900" dirty="0"/>
+              <a:t> (Base </a:t>
+            </a:r>
+            <a:r>
+              <a:rPr lang="en-US" sz="900" dirty="0" err="1"/>
+              <a:t>Octubre</a:t>
+            </a:r>
+            <a:r>
+              <a:rPr lang="en-US" sz="900" dirty="0"/>
+              <a:t> 2016)</a:t>
+            </a:r>
+            <a:endParaRPr lang="es-AR" sz="900" dirty="0"/>
+          </a:p>
+        </p:txBody>
+      </p:sp>
     </p:spTree>
     <p:extLst>
       <p:ext uri="{BB962C8B-B14F-4D97-AF65-F5344CB8AC3E}">
